--- a/Presentations/Opening-70-534-Certification-JumpStart-6-2017.pptx
+++ b/Presentations/Opening-70-534-Certification-JumpStart-6-2017.pptx
@@ -122,6 +122,10 @@
 </p:presentation>
 </file>
 
+<file path=ppt/revisionInfo.xml><?xml version="1.0" encoding="utf-8"?>
+<p1510:revInfo xmlns:a="http://schemas.openxmlformats.org/drawingml/2006/main" xmlns:r="http://schemas.openxmlformats.org/officeDocument/2006/relationships" xmlns:p1510="http://schemas.microsoft.com/office/powerpoint/2015/10/main"/>
+</file>
+
 <file path=ppt/notesMasters/notesMaster1.xml><?xml version="1.0" encoding="utf-8"?>
 <p:notesMaster xmlns:a="http://schemas.openxmlformats.org/drawingml/2006/main" xmlns:r="http://schemas.openxmlformats.org/officeDocument/2006/relationships" xmlns:p="http://schemas.openxmlformats.org/presentationml/2006/main">
   <p:cSld>
@@ -204,7 +208,7 @@
           <a:p>
             <a:fld id="{17A87663-80B2-406A-AEA6-02F380A944CC}" type="datetimeFigureOut">
               <a:rPr lang="en-US" smtClean="0"/>
-              <a:t>6/10/2017</a:t>
+              <a:t>6/11/2017</a:t>
             </a:fld>
             <a:endParaRPr lang="en-US"/>
           </a:p>
@@ -849,7 +853,7 @@
                 </a:solidFill>
               </a:rPr>
               <a:pPr/>
-              <a:t>6/10/2017</a:t>
+              <a:t>6/11/2017</a:t>
             </a:fld>
             <a:endParaRPr lang="en-US" dirty="0">
               <a:solidFill>
@@ -1282,7 +1286,7 @@
           <a:p>
             <a:fld id="{C093B9F9-3668-4248-BC3B-A7F41B8EEB64}" type="datetimeFigureOut">
               <a:rPr lang="en-US" smtClean="0"/>
-              <a:t>6/10/2017</a:t>
+              <a:t>6/11/2017</a:t>
             </a:fld>
             <a:endParaRPr lang="en-US"/>
           </a:p>
@@ -1450,7 +1454,7 @@
           <a:p>
             <a:fld id="{C093B9F9-3668-4248-BC3B-A7F41B8EEB64}" type="datetimeFigureOut">
               <a:rPr lang="en-US" smtClean="0"/>
-              <a:t>6/10/2017</a:t>
+              <a:t>6/11/2017</a:t>
             </a:fld>
             <a:endParaRPr lang="en-US"/>
           </a:p>
@@ -1628,7 +1632,7 @@
           <a:p>
             <a:fld id="{C093B9F9-3668-4248-BC3B-A7F41B8EEB64}" type="datetimeFigureOut">
               <a:rPr lang="en-US" smtClean="0"/>
-              <a:t>6/10/2017</a:t>
+              <a:t>6/11/2017</a:t>
             </a:fld>
             <a:endParaRPr lang="en-US"/>
           </a:p>
@@ -2743,7 +2747,7 @@
           <p:nvPr userDrawn="1"/>
         </p:nvPicPr>
         <p:blipFill>
-          <a:blip r:embed="rId2">
+          <a:blip r:embed="rId2" cstate="print">
             <a:extLst>
               <a:ext uri="{BEBA8EAE-BF5A-486C-A8C5-ECC9F3942E4B}">
                 <a14:imgProps xmlns:a14="http://schemas.microsoft.com/office/drawing/2010/main">
@@ -3969,7 +3973,7 @@
           <a:p>
             <a:fld id="{C093B9F9-3668-4248-BC3B-A7F41B8EEB64}" type="datetimeFigureOut">
               <a:rPr lang="en-US" smtClean="0"/>
-              <a:t>6/10/2017</a:t>
+              <a:t>6/11/2017</a:t>
             </a:fld>
             <a:endParaRPr lang="en-US"/>
           </a:p>
@@ -4137,7 +4141,7 @@
           <a:p>
             <a:fld id="{C093B9F9-3668-4248-BC3B-A7F41B8EEB64}" type="datetimeFigureOut">
               <a:rPr lang="en-US" smtClean="0"/>
-              <a:t>6/10/2017</a:t>
+              <a:t>6/11/2017</a:t>
             </a:fld>
             <a:endParaRPr lang="en-US"/>
           </a:p>
@@ -4382,7 +4386,7 @@
           <a:p>
             <a:fld id="{C093B9F9-3668-4248-BC3B-A7F41B8EEB64}" type="datetimeFigureOut">
               <a:rPr lang="en-US" smtClean="0"/>
-              <a:t>6/10/2017</a:t>
+              <a:t>6/11/2017</a:t>
             </a:fld>
             <a:endParaRPr lang="en-US"/>
           </a:p>
@@ -4611,7 +4615,7 @@
           <a:p>
             <a:fld id="{C093B9F9-3668-4248-BC3B-A7F41B8EEB64}" type="datetimeFigureOut">
               <a:rPr lang="en-US" smtClean="0"/>
-              <a:t>6/10/2017</a:t>
+              <a:t>6/11/2017</a:t>
             </a:fld>
             <a:endParaRPr lang="en-US"/>
           </a:p>
@@ -4975,7 +4979,7 @@
           <a:p>
             <a:fld id="{C093B9F9-3668-4248-BC3B-A7F41B8EEB64}" type="datetimeFigureOut">
               <a:rPr lang="en-US" smtClean="0"/>
-              <a:t>6/10/2017</a:t>
+              <a:t>6/11/2017</a:t>
             </a:fld>
             <a:endParaRPr lang="en-US"/>
           </a:p>
@@ -5092,7 +5096,7 @@
           <a:p>
             <a:fld id="{C093B9F9-3668-4248-BC3B-A7F41B8EEB64}" type="datetimeFigureOut">
               <a:rPr lang="en-US" smtClean="0"/>
-              <a:t>6/10/2017</a:t>
+              <a:t>6/11/2017</a:t>
             </a:fld>
             <a:endParaRPr lang="en-US"/>
           </a:p>
@@ -5187,7 +5191,7 @@
           <a:p>
             <a:fld id="{C093B9F9-3668-4248-BC3B-A7F41B8EEB64}" type="datetimeFigureOut">
               <a:rPr lang="en-US" smtClean="0"/>
-              <a:t>6/10/2017</a:t>
+              <a:t>6/11/2017</a:t>
             </a:fld>
             <a:endParaRPr lang="en-US"/>
           </a:p>
@@ -5462,7 +5466,7 @@
           <a:p>
             <a:fld id="{C093B9F9-3668-4248-BC3B-A7F41B8EEB64}" type="datetimeFigureOut">
               <a:rPr lang="en-US" smtClean="0"/>
-              <a:t>6/10/2017</a:t>
+              <a:t>6/11/2017</a:t>
             </a:fld>
             <a:endParaRPr lang="en-US"/>
           </a:p>
@@ -5714,7 +5718,7 @@
           <a:p>
             <a:fld id="{C093B9F9-3668-4248-BC3B-A7F41B8EEB64}" type="datetimeFigureOut">
               <a:rPr lang="en-US" smtClean="0"/>
-              <a:t>6/10/2017</a:t>
+              <a:t>6/11/2017</a:t>
             </a:fld>
             <a:endParaRPr lang="en-US"/>
           </a:p>
@@ -5925,7 +5929,7 @@
           <a:p>
             <a:fld id="{C093B9F9-3668-4248-BC3B-A7F41B8EEB64}" type="datetimeFigureOut">
               <a:rPr lang="en-US" smtClean="0"/>
-              <a:t>6/10/2017</a:t>
+              <a:t>6/11/2017</a:t>
             </a:fld>
             <a:endParaRPr lang="en-US"/>
           </a:p>
@@ -6514,7 +6518,7 @@
                 <a:tabLst/>
                 <a:defRPr/>
               </a:pPr>
-              <a:t>6/10/2017</a:t>
+              <a:t>6/11/2017</a:t>
             </a:fld>
             <a:endParaRPr kumimoji="0" lang="en-US" sz="1200" b="0" i="0" u="none" strike="noStrike" kern="1200" cap="none" spc="0" normalizeH="0" baseline="0" noProof="0" dirty="0">
               <a:ln>
@@ -7073,7 +7077,7 @@
           </p:nvPr>
         </p:nvPicPr>
         <p:blipFill>
-          <a:blip r:embed="rId3">
+          <a:blip r:embed="rId3" cstate="print">
             <a:extLst>
               <a:ext uri="{28A0092B-C50C-407E-A947-70E740481C1C}">
                 <a14:useLocalDpi xmlns:a14="http://schemas.microsoft.com/office/drawing/2010/main" val="0"/>
@@ -7852,6 +7856,57 @@
           </a:graphicData>
         </a:graphic>
       </p:graphicFrame>
+      <p:sp>
+        <p:nvSpPr>
+          <p:cNvPr id="3" name="TextBox 2">
+            <a:extLst>
+              <a:ext uri="{FF2B5EF4-FFF2-40B4-BE49-F238E27FC236}">
+                <a16:creationId xmlns:a16="http://schemas.microsoft.com/office/drawing/2014/main" id="{4181D786-F41B-4C95-88DD-726F73821671}"/>
+              </a:ext>
+            </a:extLst>
+          </p:cNvPr>
+          <p:cNvSpPr txBox="1"/>
+          <p:nvPr/>
+        </p:nvSpPr>
+        <p:spPr>
+          <a:xfrm>
+            <a:off x="5833950" y="5563645"/>
+            <a:ext cx="6191794" cy="1077218"/>
+          </a:xfrm>
+          <a:prstGeom prst="rect">
+            <a:avLst/>
+          </a:prstGeom>
+          <a:noFill/>
+        </p:spPr>
+        <p:txBody>
+          <a:bodyPr wrap="square" rtlCol="0">
+            <a:spAutoFit/>
+          </a:bodyPr>
+          <a:lstStyle/>
+          <a:p>
+            <a:pPr algn="r"/>
+            <a:r>
+              <a:rPr lang="en-US" sz="3200" dirty="0">
+                <a:solidFill>
+                  <a:schemeClr val="bg1"/>
+                </a:solidFill>
+              </a:rPr>
+              <a:t>Content Location:</a:t>
+            </a:r>
+          </a:p>
+          <a:p>
+            <a:pPr algn="r"/>
+            <a:r>
+              <a:rPr lang="en-US" sz="3200" dirty="0">
+                <a:solidFill>
+                  <a:schemeClr val="bg1"/>
+                </a:solidFill>
+              </a:rPr>
+              <a:t>https://github.com/dstolts/70-534</a:t>
+            </a:r>
+          </a:p>
+        </p:txBody>
+      </p:sp>
     </p:spTree>
     <p:extLst>
       <p:ext uri="{BB962C8B-B14F-4D97-AF65-F5344CB8AC3E}">
@@ -7994,7 +8049,7 @@
           </p:nvPr>
         </p:nvPicPr>
         <p:blipFill>
-          <a:blip r:embed="rId3">
+          <a:blip r:embed="rId3" cstate="print">
             <a:extLst>
               <a:ext uri="{28A0092B-C50C-407E-A947-70E740481C1C}">
                 <a14:useLocalDpi xmlns:a14="http://schemas.microsoft.com/office/drawing/2010/main" val="0"/>
@@ -8713,6 +8768,57 @@
           </a:graphicData>
         </a:graphic>
       </p:graphicFrame>
+      <p:sp>
+        <p:nvSpPr>
+          <p:cNvPr id="7" name="TextBox 6">
+            <a:extLst>
+              <a:ext uri="{FF2B5EF4-FFF2-40B4-BE49-F238E27FC236}">
+                <a16:creationId xmlns:a16="http://schemas.microsoft.com/office/drawing/2014/main" id="{CCF2B950-9E31-4C6E-A4FB-E727A07D2C89}"/>
+              </a:ext>
+            </a:extLst>
+          </p:cNvPr>
+          <p:cNvSpPr txBox="1"/>
+          <p:nvPr/>
+        </p:nvSpPr>
+        <p:spPr>
+          <a:xfrm>
+            <a:off x="6179128" y="5296706"/>
+            <a:ext cx="6012871" cy="1077218"/>
+          </a:xfrm>
+          <a:prstGeom prst="rect">
+            <a:avLst/>
+          </a:prstGeom>
+          <a:solidFill>
+            <a:srgbClr val="002060"/>
+          </a:solidFill>
+        </p:spPr>
+        <p:txBody>
+          <a:bodyPr wrap="square" rtlCol="0">
+            <a:spAutoFit/>
+          </a:bodyPr>
+          <a:lstStyle/>
+          <a:p>
+            <a:r>
+              <a:rPr lang="en-US" sz="3200" dirty="0">
+                <a:solidFill>
+                  <a:schemeClr val="bg1"/>
+                </a:solidFill>
+              </a:rPr>
+              <a:t>Content Location:</a:t>
+            </a:r>
+          </a:p>
+          <a:p>
+            <a:r>
+              <a:rPr lang="en-US" sz="3200" dirty="0">
+                <a:solidFill>
+                  <a:schemeClr val="bg1"/>
+                </a:solidFill>
+              </a:rPr>
+              <a:t>https://github.com/dstolts/70-534</a:t>
+            </a:r>
+          </a:p>
+        </p:txBody>
+      </p:sp>
     </p:spTree>
     <p:extLst>
       <p:ext uri="{BB962C8B-B14F-4D97-AF65-F5344CB8AC3E}">
@@ -11613,7 +11719,7 @@
           <p:nvPr/>
         </p:nvPicPr>
         <p:blipFill>
-          <a:blip r:embed="rId5">
+          <a:blip r:embed="rId5" cstate="print">
             <a:extLst>
               <a:ext uri="{28A0092B-C50C-407E-A947-70E740481C1C}">
                 <a14:useLocalDpi xmlns:a14="http://schemas.microsoft.com/office/drawing/2010/main" val="0"/>
